--- a/Manual.pptx
+++ b/Manual.pptx
@@ -281,7 +281,7 @@
           <a:p>
             <a:fld id="{36CC92C8-40CD-4956-832B-9FDDAACD3DFA}" type="datetimeFigureOut">
               <a:rPr lang="zh-CN" altLang="en-US" smtClean="0"/>
-              <a:t>2021/11/17</a:t>
+              <a:t>2021/11/19</a:t>
             </a:fld>
             <a:endParaRPr lang="zh-CN" altLang="en-US"/>
           </a:p>
@@ -479,7 +479,7 @@
           <a:p>
             <a:fld id="{36CC92C8-40CD-4956-832B-9FDDAACD3DFA}" type="datetimeFigureOut">
               <a:rPr lang="zh-CN" altLang="en-US" smtClean="0"/>
-              <a:t>2021/11/17</a:t>
+              <a:t>2021/11/19</a:t>
             </a:fld>
             <a:endParaRPr lang="zh-CN" altLang="en-US"/>
           </a:p>
@@ -687,7 +687,7 @@
           <a:p>
             <a:fld id="{36CC92C8-40CD-4956-832B-9FDDAACD3DFA}" type="datetimeFigureOut">
               <a:rPr lang="zh-CN" altLang="en-US" smtClean="0"/>
-              <a:t>2021/11/17</a:t>
+              <a:t>2021/11/19</a:t>
             </a:fld>
             <a:endParaRPr lang="zh-CN" altLang="en-US"/>
           </a:p>
@@ -885,7 +885,7 @@
           <a:p>
             <a:fld id="{36CC92C8-40CD-4956-832B-9FDDAACD3DFA}" type="datetimeFigureOut">
               <a:rPr lang="zh-CN" altLang="en-US" smtClean="0"/>
-              <a:t>2021/11/17</a:t>
+              <a:t>2021/11/19</a:t>
             </a:fld>
             <a:endParaRPr lang="zh-CN" altLang="en-US"/>
           </a:p>
@@ -1160,7 +1160,7 @@
           <a:p>
             <a:fld id="{36CC92C8-40CD-4956-832B-9FDDAACD3DFA}" type="datetimeFigureOut">
               <a:rPr lang="zh-CN" altLang="en-US" smtClean="0"/>
-              <a:t>2021/11/17</a:t>
+              <a:t>2021/11/19</a:t>
             </a:fld>
             <a:endParaRPr lang="zh-CN" altLang="en-US"/>
           </a:p>
@@ -1425,7 +1425,7 @@
           <a:p>
             <a:fld id="{36CC92C8-40CD-4956-832B-9FDDAACD3DFA}" type="datetimeFigureOut">
               <a:rPr lang="zh-CN" altLang="en-US" smtClean="0"/>
-              <a:t>2021/11/17</a:t>
+              <a:t>2021/11/19</a:t>
             </a:fld>
             <a:endParaRPr lang="zh-CN" altLang="en-US"/>
           </a:p>
@@ -1837,7 +1837,7 @@
           <a:p>
             <a:fld id="{36CC92C8-40CD-4956-832B-9FDDAACD3DFA}" type="datetimeFigureOut">
               <a:rPr lang="zh-CN" altLang="en-US" smtClean="0"/>
-              <a:t>2021/11/17</a:t>
+              <a:t>2021/11/19</a:t>
             </a:fld>
             <a:endParaRPr lang="zh-CN" altLang="en-US"/>
           </a:p>
@@ -1978,7 +1978,7 @@
           <a:p>
             <a:fld id="{36CC92C8-40CD-4956-832B-9FDDAACD3DFA}" type="datetimeFigureOut">
               <a:rPr lang="zh-CN" altLang="en-US" smtClean="0"/>
-              <a:t>2021/11/17</a:t>
+              <a:t>2021/11/19</a:t>
             </a:fld>
             <a:endParaRPr lang="zh-CN" altLang="en-US"/>
           </a:p>
@@ -2091,7 +2091,7 @@
           <a:p>
             <a:fld id="{36CC92C8-40CD-4956-832B-9FDDAACD3DFA}" type="datetimeFigureOut">
               <a:rPr lang="zh-CN" altLang="en-US" smtClean="0"/>
-              <a:t>2021/11/17</a:t>
+              <a:t>2021/11/19</a:t>
             </a:fld>
             <a:endParaRPr lang="zh-CN" altLang="en-US"/>
           </a:p>
@@ -2402,7 +2402,7 @@
           <a:p>
             <a:fld id="{36CC92C8-40CD-4956-832B-9FDDAACD3DFA}" type="datetimeFigureOut">
               <a:rPr lang="zh-CN" altLang="en-US" smtClean="0"/>
-              <a:t>2021/11/17</a:t>
+              <a:t>2021/11/19</a:t>
             </a:fld>
             <a:endParaRPr lang="zh-CN" altLang="en-US"/>
           </a:p>
@@ -2690,7 +2690,7 @@
           <a:p>
             <a:fld id="{36CC92C8-40CD-4956-832B-9FDDAACD3DFA}" type="datetimeFigureOut">
               <a:rPr lang="zh-CN" altLang="en-US" smtClean="0"/>
-              <a:t>2021/11/17</a:t>
+              <a:t>2021/11/19</a:t>
             </a:fld>
             <a:endParaRPr lang="zh-CN" altLang="en-US"/>
           </a:p>
@@ -2931,7 +2931,7 @@
           <a:p>
             <a:fld id="{36CC92C8-40CD-4956-832B-9FDDAACD3DFA}" type="datetimeFigureOut">
               <a:rPr lang="zh-CN" altLang="en-US" smtClean="0"/>
-              <a:t>2021/11/17</a:t>
+              <a:t>2021/11/19</a:t>
             </a:fld>
             <a:endParaRPr lang="zh-CN" altLang="en-US"/>
           </a:p>
@@ -4580,8 +4580,8 @@
         </p:nvSpPr>
         <p:spPr>
           <a:xfrm>
-            <a:off x="7466445" y="1303033"/>
-            <a:ext cx="4596245" cy="1710468"/>
+            <a:off x="5027270" y="106571"/>
+            <a:ext cx="7097115" cy="4197559"/>
           </a:xfrm>
           <a:prstGeom prst="rect">
             <a:avLst/>
@@ -4630,9 +4630,12 @@
               <a:t> and download </a:t>
             </a:r>
             <a:r>
-              <a:rPr lang="en-US" altLang="zh-CN" dirty="0">
-                <a:latin typeface="-apple-system"/>
-                <a:hlinkClick r:id="rId3"/>
+              <a:rPr lang="en-US" altLang="zh-CN" b="1" dirty="0">
+                <a:solidFill>
+                  <a:srgbClr val="C00000"/>
+                </a:solidFill>
+                <a:latin typeface="Times New Roman" panose="02020603050405020304" pitchFamily="18" charset="0"/>
+                <a:cs typeface="Times New Roman" panose="02020603050405020304" pitchFamily="18" charset="0"/>
               </a:rPr>
               <a:t>Source code (zip) </a:t>
             </a:r>
@@ -4691,10 +4694,66 @@
               </a:rPr>
               <a:t> files.</a:t>
             </a:r>
+          </a:p>
+          <a:p>
+            <a:pPr>
+              <a:lnSpc>
+                <a:spcPct val="150000"/>
+              </a:lnSpc>
+            </a:pPr>
+            <a:r>
+              <a:rPr lang="zh-CN" altLang="en-US" b="1" dirty="0">
+                <a:solidFill>
+                  <a:srgbClr val="C00000"/>
+                </a:solidFill>
+                <a:latin typeface="Times New Roman" panose="02020603050405020304" pitchFamily="18" charset="0"/>
+                <a:cs typeface="Times New Roman" panose="02020603050405020304" pitchFamily="18" charset="0"/>
+              </a:rPr>
+              <a:t>③</a:t>
+            </a:r>
+            <a:r>
+              <a:rPr lang="zh-CN" altLang="en-US" dirty="0">
+                <a:latin typeface="Times New Roman" panose="02020603050405020304" pitchFamily="18" charset="0"/>
+                <a:cs typeface="Times New Roman" panose="02020603050405020304" pitchFamily="18" charset="0"/>
+              </a:rPr>
+              <a:t> </a:t>
+            </a:r>
+            <a:r>
+              <a:rPr lang="en-US" altLang="zh-CN" dirty="0">
+                <a:latin typeface="Times New Roman" panose="02020603050405020304" pitchFamily="18" charset="0"/>
+                <a:cs typeface="Times New Roman" panose="02020603050405020304" pitchFamily="18" charset="0"/>
+              </a:rPr>
+              <a:t>The dataset to demo the software could be downloaded from </a:t>
+            </a:r>
+            <a:r>
+              <a:rPr lang="en-US" altLang="zh-CN" dirty="0" err="1">
+                <a:latin typeface="Times New Roman" panose="02020603050405020304" pitchFamily="18" charset="0"/>
+                <a:cs typeface="Times New Roman" panose="02020603050405020304" pitchFamily="18" charset="0"/>
+              </a:rPr>
+              <a:t>MassIVE</a:t>
+            </a:r>
+            <a:r>
+              <a:rPr lang="en-US" altLang="zh-CN" dirty="0">
+                <a:latin typeface="Times New Roman" panose="02020603050405020304" pitchFamily="18" charset="0"/>
+                <a:cs typeface="Times New Roman" panose="02020603050405020304" pitchFamily="18" charset="0"/>
+              </a:rPr>
+              <a:t> (https://massive.ucsd.edu/) with identifier MSV000088347. The login name of the dataset's web page (including title, description, and metadata) is MSV000088347_reviewer and password is a. </a:t>
+            </a:r>
+          </a:p>
+          <a:p>
+            <a:pPr>
+              <a:lnSpc>
+                <a:spcPct val="150000"/>
+              </a:lnSpc>
+            </a:pPr>
+            <a:r>
+              <a:rPr lang="en-US" altLang="zh-CN" dirty="0">
+                <a:latin typeface="Times New Roman" panose="02020603050405020304" pitchFamily="18" charset="0"/>
+                <a:cs typeface="Times New Roman" panose="02020603050405020304" pitchFamily="18" charset="0"/>
+              </a:rPr>
+              <a:t>The dataset ftp://massive.ucsd.edu/raw/Raw_label-free%20_HeLa-cell-Data/1902-Hela-Labelfree-01.raw and 1902-Hela-Labelfree-02.raw could be used for testing.</a:t>
+            </a:r>
             <a:endParaRPr lang="zh-CN" altLang="en-US" dirty="0">
-              <a:solidFill>
-                <a:srgbClr val="C00000"/>
-              </a:solidFill>
               <a:latin typeface="Times New Roman" panose="02020603050405020304" pitchFamily="18" charset="0"/>
               <a:cs typeface="Times New Roman" panose="02020603050405020304" pitchFamily="18" charset="0"/>
             </a:endParaRPr>
@@ -4715,7 +4774,7 @@
         </p:nvSpPr>
         <p:spPr>
           <a:xfrm>
-            <a:off x="753465" y="1255462"/>
+            <a:off x="224766" y="1145122"/>
             <a:ext cx="525613" cy="369332"/>
           </a:xfrm>
           <a:prstGeom prst="rect">
@@ -4800,7 +4859,7 @@
           <p:nvPr/>
         </p:nvPicPr>
         <p:blipFill>
-          <a:blip r:embed="rId4">
+          <a:blip r:embed="rId3">
             <a:extLst>
               <a:ext uri="{28A0092B-C50C-407E-A947-70E740481C1C}">
                 <a14:useLocalDpi xmlns:a14="http://schemas.microsoft.com/office/drawing/2010/main" val="0"/>
@@ -4812,7 +4871,7 @@
         </p:blipFill>
         <p:spPr>
           <a:xfrm>
-            <a:off x="1279078" y="1255462"/>
+            <a:off x="750379" y="1145122"/>
             <a:ext cx="3727032" cy="3601347"/>
           </a:xfrm>
           <a:prstGeom prst="rect">
@@ -4826,6 +4885,36 @@
             <a:extLst>
               <a:ext uri="{FF2B5EF4-FFF2-40B4-BE49-F238E27FC236}">
                 <a16:creationId xmlns:a16="http://schemas.microsoft.com/office/drawing/2014/main" id="{32C60152-8189-411A-8B3E-9BA2D4E1B9B9}"/>
+              </a:ext>
+            </a:extLst>
+          </p:cNvPr>
+          <p:cNvPicPr>
+            <a:picLocks noChangeAspect="1"/>
+          </p:cNvPicPr>
+          <p:nvPr/>
+        </p:nvPicPr>
+        <p:blipFill>
+          <a:blip r:embed="rId4"/>
+          <a:stretch>
+            <a:fillRect/>
+          </a:stretch>
+        </p:blipFill>
+        <p:spPr>
+          <a:xfrm>
+            <a:off x="750379" y="5188809"/>
+            <a:ext cx="4403253" cy="827457"/>
+          </a:xfrm>
+          <a:prstGeom prst="rect">
+            <a:avLst/>
+          </a:prstGeom>
+        </p:spPr>
+      </p:pic>
+      <p:pic>
+        <p:nvPicPr>
+          <p:cNvPr id="3" name="图片 2">
+            <a:extLst>
+              <a:ext uri="{FF2B5EF4-FFF2-40B4-BE49-F238E27FC236}">
+                <a16:creationId xmlns:a16="http://schemas.microsoft.com/office/drawing/2014/main" id="{474B39D1-C677-4EEF-8C46-0D354DB4FB97}"/>
               </a:ext>
             </a:extLst>
           </p:cNvPr>
@@ -4842,14 +4931,56 @@
         </p:blipFill>
         <p:spPr>
           <a:xfrm>
-            <a:off x="790381" y="5149831"/>
-            <a:ext cx="7097115" cy="1333686"/>
+            <a:off x="6182774" y="4237006"/>
+            <a:ext cx="4786106" cy="2504071"/>
           </a:xfrm>
           <a:prstGeom prst="rect">
             <a:avLst/>
           </a:prstGeom>
         </p:spPr>
       </p:pic>
+      <p:sp>
+        <p:nvSpPr>
+          <p:cNvPr id="11" name="文本框 10">
+            <a:extLst>
+              <a:ext uri="{FF2B5EF4-FFF2-40B4-BE49-F238E27FC236}">
+                <a16:creationId xmlns:a16="http://schemas.microsoft.com/office/drawing/2014/main" id="{E83C001E-ABAA-4E3B-A847-A8CFA03EB5B7}"/>
+              </a:ext>
+            </a:extLst>
+          </p:cNvPr>
+          <p:cNvSpPr txBox="1"/>
+          <p:nvPr/>
+        </p:nvSpPr>
+        <p:spPr>
+          <a:xfrm>
+            <a:off x="5753246" y="4237006"/>
+            <a:ext cx="859055" cy="369332"/>
+          </a:xfrm>
+          <a:prstGeom prst="rect">
+            <a:avLst/>
+          </a:prstGeom>
+          <a:noFill/>
+        </p:spPr>
+        <p:txBody>
+          <a:bodyPr wrap="square">
+            <a:spAutoFit/>
+          </a:bodyPr>
+          <a:lstStyle/>
+          <a:p>
+            <a:r>
+              <a:rPr lang="zh-CN" altLang="en-US" b="1" dirty="0">
+                <a:solidFill>
+                  <a:srgbClr val="C00000"/>
+                </a:solidFill>
+                <a:latin typeface="Times New Roman" panose="02020603050405020304" pitchFamily="18" charset="0"/>
+                <a:cs typeface="Times New Roman" panose="02020603050405020304" pitchFamily="18" charset="0"/>
+              </a:rPr>
+              <a:t>③</a:t>
+            </a:r>
+            <a:endParaRPr lang="zh-CN" altLang="en-US" dirty="0"/>
+          </a:p>
+        </p:txBody>
+      </p:sp>
     </p:spTree>
     <p:extLst>
       <p:ext uri="{BB962C8B-B14F-4D97-AF65-F5344CB8AC3E}">
@@ -5805,7 +5936,7 @@
         <p:spPr>
           <a:xfrm>
             <a:off x="6677890" y="1433714"/>
-            <a:ext cx="5514109" cy="3782061"/>
+            <a:ext cx="5514109" cy="4613058"/>
           </a:xfrm>
           <a:prstGeom prst="rect">
             <a:avLst/>
@@ -5976,7 +6107,28 @@
                 <a:latin typeface="Times New Roman" panose="02020603050405020304" pitchFamily="18" charset="0"/>
                 <a:cs typeface="Times New Roman" panose="02020603050405020304" pitchFamily="18" charset="0"/>
               </a:rPr>
-              <a:t>pGlycoDB-GP-FDR-Pro.txt</a:t>
+              <a:t>pGlycoDB-GP-FDR-Pro.txt </a:t>
+            </a:r>
+            <a:r>
+              <a:rPr lang="en-US" altLang="zh-CN" b="1" dirty="0">
+                <a:latin typeface="Times New Roman" panose="02020603050405020304" pitchFamily="18" charset="0"/>
+                <a:cs typeface="Times New Roman" panose="02020603050405020304" pitchFamily="18" charset="0"/>
+              </a:rPr>
+              <a:t>(the identification result of 1902-Hela-Labelfree-01.raw and 1902-Hela-Labelfree-02.raw by using </a:t>
+            </a:r>
+            <a:r>
+              <a:rPr lang="en-US" altLang="zh-CN" b="1" dirty="0" err="1">
+                <a:latin typeface="Times New Roman" panose="02020603050405020304" pitchFamily="18" charset="0"/>
+                <a:cs typeface="Times New Roman" panose="02020603050405020304" pitchFamily="18" charset="0"/>
+              </a:rPr>
+              <a:t>pGlyco</a:t>
+            </a:r>
+            <a:r>
+              <a:rPr lang="en-US" altLang="zh-CN" b="1" dirty="0">
+                <a:latin typeface="Times New Roman" panose="02020603050405020304" pitchFamily="18" charset="0"/>
+                <a:cs typeface="Times New Roman" panose="02020603050405020304" pitchFamily="18" charset="0"/>
+              </a:rPr>
+              <a:t>)</a:t>
             </a:r>
             <a:r>
               <a:rPr lang="en-US" altLang="zh-CN" dirty="0">
